--- a/PPTs/Nemo.pptx
+++ b/PPTs/Nemo.pptx
@@ -14,11 +14,10 @@
     <p:sldId id="261" r:id="rId8"/>
     <p:sldId id="263" r:id="rId9"/>
     <p:sldId id="264" r:id="rId10"/>
-    <p:sldId id="265" r:id="rId11"/>
-    <p:sldId id="267" r:id="rId12"/>
-    <p:sldId id="268" r:id="rId13"/>
-    <p:sldId id="269" r:id="rId14"/>
-    <p:sldId id="270" r:id="rId15"/>
+    <p:sldId id="267" r:id="rId11"/>
+    <p:sldId id="268" r:id="rId12"/>
+    <p:sldId id="269" r:id="rId13"/>
+    <p:sldId id="270" r:id="rId14"/>
   </p:sldIdLst>
   <p:sldSz cx="12192000" cy="6858000"/>
   <p:notesSz cx="6858000" cy="9144000"/>
@@ -117,6 +116,11 @@
       </a:defRPr>
     </a:lvl9pPr>
   </p:defaultTextStyle>
+  <p:extLst>
+    <p:ext uri="{EFAFB233-063F-42B5-8137-9DF3F51BA10A}">
+      <p15:sldGuideLst xmlns:p15="http://schemas.microsoft.com/office/powerpoint/2012/main"/>
+    </p:ext>
+  </p:extLst>
 </p:presentation>
 </file>
 
@@ -3423,162 +3427,6 @@
           <p:cNvPr id="2" name="標題 1">
             <a:extLst>
               <a:ext uri="{FF2B5EF4-FFF2-40B4-BE49-F238E27FC236}">
-                <a16:creationId xmlns:a16="http://schemas.microsoft.com/office/drawing/2014/main" id="{5A070915-6917-4A2F-811D-4D43E4B9F067}"/>
-              </a:ext>
-            </a:extLst>
-          </p:cNvPr>
-          <p:cNvSpPr>
-            <a:spLocks noGrp="1"/>
-          </p:cNvSpPr>
-          <p:nvPr>
-            <p:ph type="title"/>
-          </p:nvPr>
-        </p:nvSpPr>
-        <p:spPr/>
-        <p:txBody>
-          <a:bodyPr/>
-          <a:lstStyle/>
-          <a:p>
-            <a:r>
-              <a:rPr lang="en-US" altLang="zh-TW" dirty="0">
-                <a:solidFill>
-                  <a:srgbClr val="050505"/>
-                </a:solidFill>
-                <a:latin typeface="Roboto" panose="02000000000000000000" pitchFamily="2" charset="0"/>
-              </a:rPr>
-              <a:t>Compare 2 speakers</a:t>
-            </a:r>
-            <a:endParaRPr lang="zh-TW" altLang="en-US" dirty="0">
-              <a:solidFill>
-                <a:srgbClr val="050505"/>
-              </a:solidFill>
-              <a:latin typeface="Roboto" panose="02000000000000000000" pitchFamily="2" charset="0"/>
-            </a:endParaRPr>
-          </a:p>
-        </p:txBody>
-      </p:sp>
-      <p:sp>
-        <p:nvSpPr>
-          <p:cNvPr id="3" name="內容版面配置區 2">
-            <a:extLst>
-              <a:ext uri="{FF2B5EF4-FFF2-40B4-BE49-F238E27FC236}">
-                <a16:creationId xmlns:a16="http://schemas.microsoft.com/office/drawing/2014/main" id="{112CCF03-1F30-4239-97C2-15F5CE26A3B9}"/>
-              </a:ext>
-            </a:extLst>
-          </p:cNvPr>
-          <p:cNvSpPr>
-            <a:spLocks noGrp="1"/>
-          </p:cNvSpPr>
-          <p:nvPr>
-            <p:ph idx="1"/>
-          </p:nvPr>
-        </p:nvSpPr>
-        <p:spPr/>
-        <p:txBody>
-          <a:bodyPr/>
-          <a:lstStyle/>
-          <a:p>
-            <a:r>
-              <a:rPr lang="en-US" altLang="zh-TW" dirty="0"/>
-              <a:t>Compute cosine similarity between 2 output vectors</a:t>
-            </a:r>
-            <a:endParaRPr lang="zh-TW" altLang="en-US" dirty="0"/>
-          </a:p>
-        </p:txBody>
-      </p:sp>
-      <p:sp>
-        <p:nvSpPr>
-          <p:cNvPr id="4" name="文字版面配置區 3">
-            <a:extLst>
-              <a:ext uri="{FF2B5EF4-FFF2-40B4-BE49-F238E27FC236}">
-                <a16:creationId xmlns:a16="http://schemas.microsoft.com/office/drawing/2014/main" id="{DA34F7B1-2023-4FF1-9977-96AD2A6CFC48}"/>
-              </a:ext>
-            </a:extLst>
-          </p:cNvPr>
-          <p:cNvSpPr>
-            <a:spLocks noGrp="1"/>
-          </p:cNvSpPr>
-          <p:nvPr>
-            <p:ph type="body" sz="half" idx="2"/>
-          </p:nvPr>
-        </p:nvSpPr>
-        <p:spPr/>
-        <p:txBody>
-          <a:bodyPr/>
-          <a:lstStyle/>
-          <a:p>
-            <a:r>
-              <a:rPr lang="zh-TW" altLang="en-US" dirty="0"/>
-              <a:t>這是我猜的</a:t>
-            </a:r>
-          </a:p>
-        </p:txBody>
-      </p:sp>
-      <p:pic>
-        <p:nvPicPr>
-          <p:cNvPr id="8" name="圖片 7">
-            <a:extLst>
-              <a:ext uri="{FF2B5EF4-FFF2-40B4-BE49-F238E27FC236}">
-                <a16:creationId xmlns:a16="http://schemas.microsoft.com/office/drawing/2014/main" id="{C2EF75F3-39F4-47AA-9A57-5C249DA500ED}"/>
-              </a:ext>
-            </a:extLst>
-          </p:cNvPr>
-          <p:cNvPicPr>
-            <a:picLocks noChangeAspect="1"/>
-          </p:cNvPicPr>
-          <p:nvPr/>
-        </p:nvPicPr>
-        <p:blipFill>
-          <a:blip r:embed="rId2"/>
-          <a:stretch>
-            <a:fillRect/>
-          </a:stretch>
-        </p:blipFill>
-        <p:spPr>
-          <a:xfrm>
-            <a:off x="3870960" y="2827282"/>
-            <a:ext cx="8321040" cy="4030718"/>
-          </a:xfrm>
-          <a:prstGeom prst="rect">
-            <a:avLst/>
-          </a:prstGeom>
-        </p:spPr>
-      </p:pic>
-    </p:spTree>
-    <p:extLst>
-      <p:ext uri="{BB962C8B-B14F-4D97-AF65-F5344CB8AC3E}">
-        <p14:creationId xmlns:p14="http://schemas.microsoft.com/office/powerpoint/2010/main" val="1117471407"/>
-      </p:ext>
-    </p:extLst>
-  </p:cSld>
-  <p:clrMapOvr>
-    <a:masterClrMapping/>
-  </p:clrMapOvr>
-</p:sld>
-</file>
-
-<file path=ppt/slides/slide11.xml><?xml version="1.0" encoding="utf-8"?>
-<p:sld xmlns:a="http://schemas.openxmlformats.org/drawingml/2006/main" xmlns:r="http://schemas.openxmlformats.org/officeDocument/2006/relationships" xmlns:p="http://schemas.openxmlformats.org/presentationml/2006/main">
-  <p:cSld>
-    <p:spTree>
-      <p:nvGrpSpPr>
-        <p:cNvPr id="1" name=""/>
-        <p:cNvGrpSpPr/>
-        <p:nvPr/>
-      </p:nvGrpSpPr>
-      <p:grpSpPr>
-        <a:xfrm>
-          <a:off x="0" y="0"/>
-          <a:ext cx="0" cy="0"/>
-          <a:chOff x="0" y="0"/>
-          <a:chExt cx="0" cy="0"/>
-        </a:xfrm>
-      </p:grpSpPr>
-      <p:sp>
-        <p:nvSpPr>
-          <p:cNvPr id="2" name="標題 1">
-            <a:extLst>
-              <a:ext uri="{FF2B5EF4-FFF2-40B4-BE49-F238E27FC236}">
                 <a16:creationId xmlns:a16="http://schemas.microsoft.com/office/drawing/2014/main" id="{7D4A8790-F78B-416D-81DE-FBD016C0066B}"/>
               </a:ext>
             </a:extLst>
@@ -3732,7 +3580,7 @@
 </p:sld>
 </file>
 
-<file path=ppt/slides/slide12.xml><?xml version="1.0" encoding="utf-8"?>
+<file path=ppt/slides/slide11.xml><?xml version="1.0" encoding="utf-8"?>
 <p:sld xmlns:a="http://schemas.openxmlformats.org/drawingml/2006/main" xmlns:r="http://schemas.openxmlformats.org/officeDocument/2006/relationships" xmlns:p="http://schemas.openxmlformats.org/presentationml/2006/main">
   <p:cSld>
     <p:spTree>
@@ -3799,6 +3647,22 @@
           <a:bodyPr/>
           <a:lstStyle/>
           <a:p>
+            <a:r>
+              <a:rPr lang="en-US" altLang="zh-TW" dirty="0"/>
+              <a:t>ABCD:</a:t>
+            </a:r>
+            <a:r>
+              <a:rPr lang="zh-TW" altLang="en-US" dirty="0"/>
+              <a:t> </a:t>
+            </a:r>
+            <a:r>
+              <a:rPr lang="en-US" altLang="zh-TW" dirty="0"/>
+              <a:t>AB, </a:t>
+            </a:r>
+            <a:r>
+              <a:rPr lang="en-US" altLang="zh-TW"/>
+              <a:t>AC, AD, BC, BD, CD</a:t>
+            </a:r>
             <a:endParaRPr lang="zh-TW" altLang="en-US" dirty="0"/>
           </a:p>
         </p:txBody>
@@ -3834,7 +3698,7 @@
         </p:blipFill>
         <p:spPr bwMode="auto">
           <a:xfrm>
-            <a:off x="4772025" y="1975083"/>
+            <a:off x="4729862" y="1975083"/>
             <a:ext cx="7462138" cy="3976223"/>
           </a:xfrm>
           <a:prstGeom prst="rect">
@@ -3865,7 +3729,7 @@
 </p:sld>
 </file>
 
-<file path=ppt/slides/slide13.xml><?xml version="1.0" encoding="utf-8"?>
+<file path=ppt/slides/slide12.xml><?xml version="1.0" encoding="utf-8"?>
 <p:sld xmlns:a="http://schemas.openxmlformats.org/drawingml/2006/main" xmlns:r="http://schemas.openxmlformats.org/officeDocument/2006/relationships" xmlns:p="http://schemas.openxmlformats.org/presentationml/2006/main">
   <p:cSld>
     <p:spTree>
@@ -3998,7 +3862,7 @@
 </p:sld>
 </file>
 
-<file path=ppt/slides/slide14.xml><?xml version="1.0" encoding="utf-8"?>
+<file path=ppt/slides/slide13.xml><?xml version="1.0" encoding="utf-8"?>
 <p:sld xmlns:a="http://schemas.openxmlformats.org/drawingml/2006/main" xmlns:r="http://schemas.openxmlformats.org/officeDocument/2006/relationships" xmlns:p="http://schemas.openxmlformats.org/presentationml/2006/main">
   <p:cSld>
     <p:spTree>
@@ -4198,7 +4062,7 @@
           <a:bodyPr/>
           <a:lstStyle/>
           <a:p>
-            <a:endParaRPr lang="zh-TW" altLang="en-US"/>
+            <a:endParaRPr lang="zh-TW" altLang="en-US" dirty="0"/>
           </a:p>
         </p:txBody>
       </p:sp>
@@ -4708,18 +4572,6 @@
           <a:lstStyle/>
           <a:p>
             <a:r>
-              <a:rPr lang="en-US" altLang="zh-TW" b="0" i="0" dirty="0">
-                <a:solidFill>
-                  <a:srgbClr val="050505"/>
-                </a:solidFill>
-                <a:effectLst/>
-                <a:latin typeface="NVIDIA Sans"/>
-              </a:rPr>
-              <a:t>solves two major tasks: speaker identification (who is speaking?) and speaker verification (is the speaker who they claim to be?)</a:t>
-            </a:r>
-          </a:p>
-          <a:p>
-            <a:r>
               <a:rPr lang="en-US" altLang="zh-TW" dirty="0">
                 <a:solidFill>
                   <a:srgbClr val="050505"/>
@@ -4929,9 +4781,6 @@
             </a:r>
             <a:endParaRPr lang="zh-TW" altLang="en-US" dirty="0"/>
           </a:p>
-          <a:p>
-            <a:endParaRPr lang="zh-TW" altLang="en-US" dirty="0"/>
-          </a:p>
         </p:txBody>
       </p:sp>
     </p:spTree>
@@ -5088,6 +4937,53 @@
           </a:p>
         </p:txBody>
       </p:sp>
+      <p:pic>
+        <p:nvPicPr>
+          <p:cNvPr id="1030" name="Picture 6">
+            <a:extLst>
+              <a:ext uri="{FF2B5EF4-FFF2-40B4-BE49-F238E27FC236}">
+                <a16:creationId xmlns:a16="http://schemas.microsoft.com/office/drawing/2014/main" id="{C2817846-C496-4721-984D-9BEE5538469E}"/>
+              </a:ext>
+            </a:extLst>
+          </p:cNvPr>
+          <p:cNvPicPr>
+            <a:picLocks noChangeAspect="1" noChangeArrowheads="1"/>
+          </p:cNvPicPr>
+          <p:nvPr/>
+        </p:nvPicPr>
+        <p:blipFill>
+          <a:blip r:embed="rId4">
+            <a:extLst>
+              <a:ext uri="{28A0092B-C50C-407E-A947-70E740481C1C}">
+                <a14:useLocalDpi xmlns:a14="http://schemas.microsoft.com/office/drawing/2010/main" val="0"/>
+              </a:ext>
+            </a:extLst>
+          </a:blip>
+          <a:srcRect/>
+          <a:stretch>
+            <a:fillRect/>
+          </a:stretch>
+        </p:blipFill>
+        <p:spPr bwMode="auto">
+          <a:xfrm>
+            <a:off x="79703" y="5511567"/>
+            <a:ext cx="6129812" cy="1346433"/>
+          </a:xfrm>
+          <a:prstGeom prst="rect">
+            <a:avLst/>
+          </a:prstGeom>
+          <a:noFill/>
+          <a:extLst>
+            <a:ext uri="{909E8E84-426E-40DD-AFC4-6F175D3DCCD1}">
+              <a14:hiddenFill xmlns:a14="http://schemas.microsoft.com/office/drawing/2010/main">
+                <a:solidFill>
+                  <a:srgbClr val="FFFFFF"/>
+                </a:solidFill>
+              </a14:hiddenFill>
+            </a:ext>
+          </a:extLst>
+        </p:spPr>
+      </p:pic>
     </p:spTree>
     <p:extLst>
       <p:ext uri="{BB962C8B-B14F-4D97-AF65-F5344CB8AC3E}">
@@ -5456,7 +5352,105 @@
           <a:bodyPr/>
           <a:lstStyle/>
           <a:p>
-            <a:endParaRPr lang="zh-TW" altLang="en-US" dirty="0"/>
+            <a:r>
+              <a:rPr lang="zh-TW" altLang="en-US" dirty="0"/>
+              <a:t>機率問題：</a:t>
+            </a:r>
+            <a:endParaRPr lang="en-US" altLang="zh-TW" dirty="0"/>
+          </a:p>
+          <a:p>
+            <a:r>
+              <a:rPr lang="en-US" altLang="zh-TW" dirty="0"/>
+              <a:t>Linear + log = cross entropy</a:t>
+            </a:r>
+          </a:p>
+          <a:p>
+            <a:pPr marL="342900" indent="-342900">
+              <a:buAutoNum type="arabicPeriod"/>
+            </a:pPr>
+            <a:r>
+              <a:rPr lang="zh-TW" altLang="en-US" dirty="0"/>
+              <a:t>網路最後一層是</a:t>
+            </a:r>
+            <a:r>
+              <a:rPr lang="en-US" altLang="zh-TW" dirty="0"/>
+              <a:t>linear</a:t>
+            </a:r>
+            <a:r>
+              <a:rPr lang="zh-TW" altLang="en-US" dirty="0"/>
+              <a:t>，</a:t>
+            </a:r>
+            <a:r>
+              <a:rPr lang="en-US" altLang="zh-TW" dirty="0"/>
+              <a:t>Loss </a:t>
+            </a:r>
+            <a:r>
+              <a:rPr lang="zh-TW" altLang="en-US" dirty="0"/>
+              <a:t>用 </a:t>
+            </a:r>
+            <a:r>
+              <a:rPr lang="en-US" altLang="zh-TW" dirty="0"/>
+              <a:t>log</a:t>
+            </a:r>
+          </a:p>
+          <a:p>
+            <a:pPr marL="342900" indent="-342900">
+              <a:buAutoNum type="arabicPeriod"/>
+            </a:pPr>
+            <a:r>
+              <a:rPr lang="zh-TW" altLang="en-US" dirty="0"/>
+              <a:t>網路最後一層不是</a:t>
+            </a:r>
+            <a:r>
+              <a:rPr lang="en-US" altLang="zh-TW" dirty="0"/>
+              <a:t>linear</a:t>
+            </a:r>
+            <a:r>
+              <a:rPr lang="zh-TW" altLang="en-US" dirty="0"/>
+              <a:t>，</a:t>
+            </a:r>
+            <a:r>
+              <a:rPr lang="en-US" altLang="zh-TW" dirty="0"/>
+              <a:t>Loss </a:t>
+            </a:r>
+            <a:r>
+              <a:rPr lang="zh-TW" altLang="en-US" dirty="0"/>
+              <a:t>用 </a:t>
+            </a:r>
+            <a:r>
+              <a:rPr lang="en-US" altLang="zh-TW" dirty="0"/>
+              <a:t>cross entropy</a:t>
+            </a:r>
+          </a:p>
+          <a:p>
+            <a:pPr marL="342900" indent="-342900">
+              <a:buAutoNum type="arabicPeriod"/>
+            </a:pPr>
+            <a:r>
+              <a:rPr lang="zh-TW" altLang="en-US" dirty="0"/>
+              <a:t>網路最後一層是</a:t>
+            </a:r>
+            <a:r>
+              <a:rPr lang="en-US" altLang="zh-TW" dirty="0"/>
+              <a:t> </a:t>
+            </a:r>
+            <a:r>
+              <a:rPr lang="en-US" altLang="zh-TW" dirty="0" err="1"/>
+              <a:t>softmax</a:t>
+            </a:r>
+            <a:r>
+              <a:rPr lang="zh-TW" altLang="en-US" dirty="0"/>
+              <a:t>，</a:t>
+            </a:r>
+            <a:r>
+              <a:rPr lang="en-US" altLang="zh-TW" dirty="0"/>
+              <a:t>Loss </a:t>
+            </a:r>
+            <a:r>
+              <a:rPr lang="zh-TW" altLang="en-US" dirty="0"/>
+              <a:t>隨便</a:t>
+            </a:r>
+            <a:endParaRPr lang="en-US" altLang="zh-TW" dirty="0"/>
           </a:p>
         </p:txBody>
       </p:sp>
